--- a/FrontEndWorkshop-Week4.pptx
+++ b/FrontEndWorkshop-Week4.pptx
@@ -243,7 +243,7 @@
           <a:p>
             <a:fld id="{A8E03A04-0626-44D4-B6D6-43B9D98023FD}" type="datetimeFigureOut">
               <a:rPr lang="en-US" smtClean="0"/>
-              <a:t>11/7/16</a:t>
+              <a:t>11/8/16</a:t>
             </a:fld>
             <a:endParaRPr lang="en-US"/>
           </a:p>
@@ -6619,14 +6619,14 @@
           </a:ln>
           <a:extLst>
             <a:ext uri="{909E8E84-426E-40dd-AFC4-6F175D3DCCD1}">
-              <a14:hiddenFill xmlns="" xmlns:a14="http://schemas.microsoft.com/office/drawing/2010/main">
+              <a14:hiddenFill xmlns:a14="http://schemas.microsoft.com/office/drawing/2010/main" xmlns="">
                 <a:solidFill>
                   <a:srgbClr val="FFFFFF"/>
                 </a:solidFill>
               </a14:hiddenFill>
             </a:ext>
             <a:ext uri="{91240B29-F687-4f45-9708-019B960494DF}">
-              <a14:hiddenLine xmlns="" xmlns:a14="http://schemas.microsoft.com/office/drawing/2010/main" w="12700">
+              <a14:hiddenLine xmlns:a14="http://schemas.microsoft.com/office/drawing/2010/main" xmlns="" w="12700">
                 <a:solidFill>
                   <a:srgbClr val="000000"/>
                 </a:solidFill>
@@ -7189,14 +7189,14 @@
           </a:ln>
           <a:extLst>
             <a:ext uri="{909E8E84-426E-40dd-AFC4-6F175D3DCCD1}">
-              <a14:hiddenFill xmlns="" xmlns:a14="http://schemas.microsoft.com/office/drawing/2010/main">
+              <a14:hiddenFill xmlns:a14="http://schemas.microsoft.com/office/drawing/2010/main" xmlns="">
                 <a:solidFill>
                   <a:srgbClr val="FFFFFF"/>
                 </a:solidFill>
               </a14:hiddenFill>
             </a:ext>
             <a:ext uri="{91240B29-F687-4f45-9708-019B960494DF}">
-              <a14:hiddenLine xmlns="" xmlns:a14="http://schemas.microsoft.com/office/drawing/2010/main" w="12700">
+              <a14:hiddenLine xmlns:a14="http://schemas.microsoft.com/office/drawing/2010/main" xmlns="" w="12700">
                 <a:solidFill>
                   <a:srgbClr val="000000"/>
                 </a:solidFill>
@@ -7296,14 +7296,14 @@
           </a:ln>
           <a:extLst>
             <a:ext uri="{909E8E84-426E-40dd-AFC4-6F175D3DCCD1}">
-              <a14:hiddenFill xmlns="" xmlns:a14="http://schemas.microsoft.com/office/drawing/2010/main">
+              <a14:hiddenFill xmlns:a14="http://schemas.microsoft.com/office/drawing/2010/main" xmlns="">
                 <a:solidFill>
                   <a:srgbClr val="FFFFFF"/>
                 </a:solidFill>
               </a14:hiddenFill>
             </a:ext>
             <a:ext uri="{91240B29-F687-4f45-9708-019B960494DF}">
-              <a14:hiddenLine xmlns="" xmlns:a14="http://schemas.microsoft.com/office/drawing/2010/main" w="12700">
+              <a14:hiddenLine xmlns:a14="http://schemas.microsoft.com/office/drawing/2010/main" xmlns="" w="12700">
                 <a:solidFill>
                   <a:srgbClr val="000000"/>
                 </a:solidFill>
@@ -7851,18 +7851,7 @@
                 <a:ea typeface="DIN Alternate" charset="0"/>
                 <a:cs typeface="DIN Alternate" charset="0"/>
               </a:rPr>
-              <a:t>WEEK FOUR: </a:t>
-            </a:r>
-            <a:r>
-              <a:rPr lang="en-US" dirty="0" smtClean="0">
-                <a:solidFill>
-                  <a:schemeClr val="bg1"/>
-                </a:solidFill>
-                <a:latin typeface="DIN Alternate" charset="0"/>
-                <a:ea typeface="DIN Alternate" charset="0"/>
-                <a:cs typeface="DIN Alternate" charset="0"/>
-              </a:rPr>
-              <a:t>BASIC JAVASCRIPT</a:t>
+              <a:t>WEEK FOUR: BASIC JAVASCRIPT</a:t>
             </a:r>
             <a:endParaRPr lang="en-US" dirty="0">
               <a:solidFill>
@@ -8091,27 +8080,8 @@
                 <a:ea typeface="DIN Alternate" charset="0"/>
                 <a:cs typeface="DIN Alternate" charset="0"/>
               </a:rPr>
-              <a:t> </a:t>
-            </a:r>
-            <a:r>
-              <a:rPr lang="en-US" dirty="0" smtClean="0">
-                <a:solidFill>
-                  <a:schemeClr val="bg1"/>
-                </a:solidFill>
-                <a:latin typeface="DIN Alternate" charset="0"/>
-                <a:ea typeface="DIN Alternate" charset="0"/>
-                <a:cs typeface="DIN Alternate" charset="0"/>
-              </a:rPr>
-              <a:t>things</a:t>
-            </a:r>
-            <a:endParaRPr lang="en-US" dirty="0" smtClean="0">
-              <a:solidFill>
-                <a:schemeClr val="bg1"/>
-              </a:solidFill>
-              <a:latin typeface="DIN Alternate" charset="0"/>
-              <a:ea typeface="DIN Alternate" charset="0"/>
-              <a:cs typeface="DIN Alternate" charset="0"/>
-            </a:endParaRPr>
+              <a:t> things</a:t>
+            </a:r>
           </a:p>
         </p:txBody>
       </p:sp>
@@ -9080,7 +9050,7 @@
                 <a:ea typeface="DIN Alternate" charset="0"/>
                 <a:cs typeface="DIN Alternate" charset="0"/>
               </a:rPr>
-              <a:t> (</a:t>
+              <a:t> </a:t>
             </a:r>
             <a:r>
               <a:rPr lang="en-US" sz="2800" dirty="0">
@@ -9090,11 +9060,34 @@
                 <a:latin typeface="DIN Alternate" charset="0"/>
                 <a:ea typeface="DIN Alternate" charset="0"/>
                 <a:cs typeface="DIN Alternate" charset="0"/>
+              </a:rPr>
+              <a:t>(</a:t>
+            </a:r>
+            <a:r>
+              <a:rPr lang="en-US" sz="2800" dirty="0">
+                <a:solidFill>
+                  <a:schemeClr val="bg1"/>
+                </a:solidFill>
+                <a:latin typeface="DIN Alternate" charset="0"/>
+                <a:ea typeface="DIN Alternate" charset="0"/>
+                <a:cs typeface="DIN Alternate" charset="0"/>
                 <a:hlinkClick r:id="rId4"/>
               </a:rPr>
               <a:t>https://</a:t>
             </a:r>
             <a:r>
+              <a:rPr lang="en-US" sz="2800" dirty="0" err="1" smtClean="0">
+                <a:solidFill>
+                  <a:schemeClr val="bg1"/>
+                </a:solidFill>
+                <a:latin typeface="DIN Alternate" charset="0"/>
+                <a:ea typeface="DIN Alternate" charset="0"/>
+                <a:cs typeface="DIN Alternate" charset="0"/>
+                <a:hlinkClick r:id="rId4"/>
+              </a:rPr>
+              <a:t>github.com</a:t>
+            </a:r>
+            <a:r>
               <a:rPr lang="en-US" sz="2800" dirty="0" smtClean="0">
                 <a:solidFill>
                   <a:schemeClr val="bg1"/>
@@ -9104,7 +9097,30 @@
                 <a:cs typeface="DIN Alternate" charset="0"/>
                 <a:hlinkClick r:id="rId4"/>
               </a:rPr>
-              <a:t>github.com/glenelkins/front-end-workshop)</a:t>
+              <a:t>/glenb0/</a:t>
+            </a:r>
+            <a:r>
+              <a:rPr lang="en-US" sz="2800" dirty="0" err="1" smtClean="0">
+                <a:solidFill>
+                  <a:schemeClr val="bg1"/>
+                </a:solidFill>
+                <a:latin typeface="DIN Alternate" charset="0"/>
+                <a:ea typeface="DIN Alternate" charset="0"/>
+                <a:cs typeface="DIN Alternate" charset="0"/>
+                <a:hlinkClick r:id="rId4"/>
+              </a:rPr>
+              <a:t>frontendworkshop</a:t>
+            </a:r>
+            <a:r>
+              <a:rPr lang="en-US" sz="2800" dirty="0" smtClean="0">
+                <a:solidFill>
+                  <a:schemeClr val="bg1"/>
+                </a:solidFill>
+                <a:latin typeface="DIN Alternate" charset="0"/>
+                <a:ea typeface="DIN Alternate" charset="0"/>
+                <a:cs typeface="DIN Alternate" charset="0"/>
+              </a:rPr>
+              <a:t>)</a:t>
             </a:r>
             <a:endParaRPr lang="en-US" sz="2800" dirty="0" smtClean="0">
               <a:solidFill>
